--- a/trunk/Slides/slide02.pptx
+++ b/trunk/Slides/slide02.pptx
@@ -1537,6 +1537,147 @@
       </p:grpSpPr>
       <p:sp>
         <p:nvSpPr>
+          <p:cNvPr id="2" name="Slide Image Placeholder 1"/>
+          <p:cNvSpPr>
+            <a:spLocks noGrp="1" noRot="1" noChangeAspect="1"/>
+          </p:cNvSpPr>
+          <p:nvPr>
+            <p:ph type="sldImg"/>
+          </p:nvPr>
+        </p:nvSpPr>
+        <p:spPr/>
+      </p:sp>
+      <p:sp>
+        <p:nvSpPr>
+          <p:cNvPr id="3" name="Notes Placeholder 2"/>
+          <p:cNvSpPr>
+            <a:spLocks noGrp="1"/>
+          </p:cNvSpPr>
+          <p:nvPr>
+            <p:ph type="body" idx="1"/>
+          </p:nvPr>
+        </p:nvSpPr>
+        <p:spPr/>
+        <p:txBody>
+          <a:bodyPr/>
+          <a:lstStyle/>
+          <a:p>
+            <a:r>
+              <a:rPr lang="en-US" dirty="0" smtClean="0"/>
+              <a:t>Sketch: (v) </a:t>
+            </a:r>
+            <a:r>
+              <a:rPr lang="en-US" dirty="0" err="1" smtClean="0"/>
+              <a:t>phac</a:t>
+            </a:r>
+            <a:r>
+              <a:rPr lang="en-US" dirty="0" smtClean="0"/>
+              <a:t> </a:t>
+            </a:r>
+            <a:r>
+              <a:rPr lang="en-US" dirty="0" err="1" smtClean="0"/>
+              <a:t>thao</a:t>
+            </a:r>
+            <a:r>
+              <a:rPr lang="en-US" dirty="0" smtClean="0"/>
+              <a:t>, </a:t>
+            </a:r>
+            <a:r>
+              <a:rPr lang="en-US" dirty="0" err="1" smtClean="0"/>
+              <a:t>phac</a:t>
+            </a:r>
+            <a:r>
+              <a:rPr lang="en-US" dirty="0" smtClean="0"/>
+              <a:t> </a:t>
+            </a:r>
+            <a:r>
+              <a:rPr lang="en-US" dirty="0" err="1" smtClean="0"/>
+              <a:t>ra</a:t>
+            </a:r>
+            <a:endParaRPr lang="en-US" dirty="0" smtClean="0"/>
+          </a:p>
+          <a:p>
+            <a:r>
+              <a:rPr lang="en-US" dirty="0" smtClean="0"/>
+              <a:t>(n): ban </a:t>
+            </a:r>
+            <a:r>
+              <a:rPr lang="en-US" dirty="0" err="1" smtClean="0"/>
+              <a:t>phac</a:t>
+            </a:r>
+            <a:r>
+              <a:rPr lang="en-US" dirty="0" smtClean="0"/>
+              <a:t> </a:t>
+            </a:r>
+            <a:r>
+              <a:rPr lang="en-US" dirty="0" err="1" smtClean="0"/>
+              <a:t>hoa</a:t>
+            </a:r>
+            <a:endParaRPr lang="en-US" dirty="0"/>
+          </a:p>
+        </p:txBody>
+      </p:sp>
+      <p:sp>
+        <p:nvSpPr>
+          <p:cNvPr id="4" name="Slide Number Placeholder 3"/>
+          <p:cNvSpPr>
+            <a:spLocks noGrp="1"/>
+          </p:cNvSpPr>
+          <p:nvPr>
+            <p:ph type="sldNum" sz="quarter" idx="10"/>
+          </p:nvPr>
+        </p:nvSpPr>
+        <p:spPr/>
+        <p:txBody>
+          <a:bodyPr/>
+          <a:lstStyle/>
+          <a:p>
+            <a:pPr>
+              <a:defRPr/>
+            </a:pPr>
+            <a:fld id="{DA22B383-C380-4328-A04D-682FFB7498F2}" type="slidenum">
+              <a:rPr lang="en-US" altLang="en-US" smtClean="0"/>
+              <a:pPr>
+                <a:defRPr/>
+              </a:pPr>
+              <a:t>20</a:t>
+            </a:fld>
+            <a:endParaRPr lang="en-US" altLang="en-US"/>
+          </a:p>
+        </p:txBody>
+      </p:sp>
+    </p:spTree>
+    <p:extLst>
+      <p:ext uri="{BB962C8B-B14F-4D97-AF65-F5344CB8AC3E}">
+        <p14:creationId xmlns:p14="http://schemas.microsoft.com/office/powerpoint/2010/main" val="280677861"/>
+      </p:ext>
+    </p:extLst>
+  </p:cSld>
+  <p:clrMapOvr>
+    <a:masterClrMapping/>
+  </p:clrMapOvr>
+</p:notes>
+</file>
+
+<file path=ppt/notesSlides/notesSlide4.xml><?xml version="1.0" encoding="utf-8"?>
+<p:notes xmlns:a="http://schemas.openxmlformats.org/drawingml/2006/main" xmlns:r="http://schemas.openxmlformats.org/officeDocument/2006/relationships" xmlns:p="http://schemas.openxmlformats.org/presentationml/2006/main">
+  <p:cSld>
+    <p:spTree>
+      <p:nvGrpSpPr>
+        <p:cNvPr id="1" name=""/>
+        <p:cNvGrpSpPr/>
+        <p:nvPr/>
+      </p:nvGrpSpPr>
+      <p:grpSpPr>
+        <a:xfrm>
+          <a:off x="0" y="0"/>
+          <a:ext cx="0" cy="0"/>
+          <a:chOff x="0" y="0"/>
+          <a:chExt cx="0" cy="0"/>
+        </a:xfrm>
+      </p:grpSpPr>
+      <p:sp>
+        <p:nvSpPr>
           <p:cNvPr id="48130" name="Slide Image Placeholder 1"/>
           <p:cNvSpPr>
             <a:spLocks noGrp="1" noRot="1" noChangeAspect="1" noTextEdit="1"/>
@@ -1613,7 +1754,7 @@
 </p:notes>
 </file>
 
-<file path=ppt/notesSlides/notesSlide4.xml><?xml version="1.0" encoding="utf-8"?>
+<file path=ppt/notesSlides/notesSlide5.xml><?xml version="1.0" encoding="utf-8"?>
 <p:notes xmlns:a="http://schemas.openxmlformats.org/drawingml/2006/main" xmlns:r="http://schemas.openxmlformats.org/officeDocument/2006/relationships" xmlns:p="http://schemas.openxmlformats.org/presentationml/2006/main">
   <p:cSld>
     <p:spTree>
@@ -1705,7 +1846,7 @@
 </p:notes>
 </file>
 
-<file path=ppt/notesSlides/notesSlide5.xml><?xml version="1.0" encoding="utf-8"?>
+<file path=ppt/notesSlides/notesSlide6.xml><?xml version="1.0" encoding="utf-8"?>
 <p:notes xmlns:a="http://schemas.openxmlformats.org/drawingml/2006/main" xmlns:r="http://schemas.openxmlformats.org/officeDocument/2006/relationships" xmlns:p="http://schemas.openxmlformats.org/presentationml/2006/main">
   <p:cSld>
     <p:spTree>
@@ -1797,7 +1938,7 @@
 </p:notes>
 </file>
 
-<file path=ppt/notesSlides/notesSlide6.xml><?xml version="1.0" encoding="utf-8"?>
+<file path=ppt/notesSlides/notesSlide7.xml><?xml version="1.0" encoding="utf-8"?>
 <p:notes xmlns:a="http://schemas.openxmlformats.org/drawingml/2006/main" xmlns:r="http://schemas.openxmlformats.org/officeDocument/2006/relationships" xmlns:p="http://schemas.openxmlformats.org/presentationml/2006/main">
   <p:cSld>
     <p:spTree>
@@ -6214,7 +6355,7 @@
           <a:graphicData uri="http://schemas.openxmlformats.org/presentationml/2006/ole">
             <mc:AlternateContent xmlns:mc="http://schemas.openxmlformats.org/markup-compatibility/2006">
               <mc:Choice xmlns:v="urn:schemas-microsoft-com:vml" Requires="v">
-                <p:oleObj spid="_x0000_s2053" name="Clip" r:id="rId3" imgW="875520" imgH="767160" progId="">
+                <p:oleObj spid="_x0000_s2057" name="Clip" r:id="rId3" imgW="875520" imgH="767160" progId="">
                   <p:embed/>
                 </p:oleObj>
               </mc:Choice>
@@ -7705,15 +7846,7 @@
             </a:r>
             <a:r>
               <a:rPr lang="en-US" altLang="en-US" dirty="0" smtClean="0"/>
-              <a:t>  Potential </a:t>
-            </a:r>
-            <a:r>
-              <a:rPr lang="en-US" altLang="en-US" dirty="0" smtClean="0"/>
-              <a:t>over specification:  </a:t>
-            </a:r>
-            <a:r>
-              <a:rPr lang="en-US" altLang="en-US" dirty="0" smtClean="0"/>
-              <a:t>unnecessary sequencing,  </a:t>
+              <a:t>  Potential over specification:  unnecessary sequencing,  </a:t>
             </a:r>
           </a:p>
           <a:p>
@@ -8318,7 +8451,7 @@
           <p:nvPr/>
         </p:nvPicPr>
         <p:blipFill>
-          <a:blip r:embed="rId2" cstate="print"/>
+          <a:blip r:embed="rId3" cstate="print"/>
           <a:srcRect/>
           <a:stretch>
             <a:fillRect/>
@@ -8350,7 +8483,7 @@
           <p:nvPr/>
         </p:nvPicPr>
         <p:blipFill>
-          <a:blip r:embed="rId3"/>
+          <a:blip r:embed="rId4"/>
           <a:srcRect/>
           <a:stretch>
             <a:fillRect/>
@@ -10164,15 +10297,7 @@
             </a:pPr>
             <a:r>
               <a:rPr lang="en-US" dirty="0" smtClean="0"/>
-              <a:t>knowledge about similar organization, domain, problem world: requirements, assumptions, </a:t>
-            </a:r>
-            <a:r>
-              <a:rPr lang="en-US" dirty="0" smtClean="0"/>
-              <a:t>domain </a:t>
-            </a:r>
-            <a:r>
-              <a:rPr lang="en-US" dirty="0" smtClean="0"/>
-              <a:t>props, ...</a:t>
+              <a:t>knowledge about similar organization, domain, problem world: requirements, assumptions, domain props, ...</a:t>
             </a:r>
           </a:p>
           <a:p>
@@ -10410,7 +10535,7 @@
           <a:graphicData uri="http://schemas.openxmlformats.org/presentationml/2006/ole">
             <mc:AlternateContent xmlns:mc="http://schemas.openxmlformats.org/markup-compatibility/2006">
               <mc:Choice xmlns:v="urn:schemas-microsoft-com:vml" Requires="v">
-                <p:oleObj spid="_x0000_s3077" name="Clip" r:id="rId3" imgW="4763880" imgH="3297240" progId="">
+                <p:oleObj spid="_x0000_s3081" name="Clip" r:id="rId3" imgW="4763880" imgH="3297240" progId="">
                   <p:embed/>
                 </p:oleObj>
               </mc:Choice>
@@ -10626,7 +10751,7 @@
           <a:graphicData uri="http://schemas.openxmlformats.org/presentationml/2006/ole">
             <mc:AlternateContent xmlns:mc="http://schemas.openxmlformats.org/markup-compatibility/2006">
               <mc:Choice xmlns:v="urn:schemas-microsoft-com:vml" Requires="v">
-                <p:oleObj spid="_x0000_s4104" name="Picture" r:id="rId3" imgW="5580360" imgH="1909440" progId="Word.Picture.8">
+                <p:oleObj spid="_x0000_s4112" name="Picture" r:id="rId3" imgW="5580360" imgH="1909440" progId="Word.Picture.8">
                   <p:embed/>
                 </p:oleObj>
               </mc:Choice>
@@ -11079,7 +11204,7 @@
           <a:graphicData uri="http://schemas.openxmlformats.org/presentationml/2006/ole">
             <mc:AlternateContent xmlns:mc="http://schemas.openxmlformats.org/markup-compatibility/2006">
               <mc:Choice xmlns:v="urn:schemas-microsoft-com:vml" Requires="v">
-                <p:oleObj spid="_x0000_s4105" name="Clip" r:id="rId5" imgW="4763880" imgH="3297240" progId="">
+                <p:oleObj spid="_x0000_s4113" name="Clip" r:id="rId5" imgW="4763880" imgH="3297240" progId="">
                   <p:embed/>
                 </p:oleObj>
               </mc:Choice>
@@ -11309,7 +11434,7 @@
           <a:graphicData uri="http://schemas.openxmlformats.org/presentationml/2006/ole">
             <mc:AlternateContent xmlns:mc="http://schemas.openxmlformats.org/markup-compatibility/2006">
               <mc:Choice xmlns:v="urn:schemas-microsoft-com:vml" Requires="v">
-                <p:oleObj spid="_x0000_s5128" name="Picture" r:id="rId4" imgW="6750720" imgH="1459080" progId="Word.Picture.8">
+                <p:oleObj spid="_x0000_s5136" name="Picture" r:id="rId4" imgW="6750720" imgH="1459080" progId="Word.Picture.8">
                   <p:embed/>
                 </p:oleObj>
               </mc:Choice>
@@ -11379,7 +11504,7 @@
           <a:graphicData uri="http://schemas.openxmlformats.org/presentationml/2006/ole">
             <mc:AlternateContent xmlns:mc="http://schemas.openxmlformats.org/markup-compatibility/2006">
               <mc:Choice xmlns:v="urn:schemas-microsoft-com:vml" Requires="v">
-                <p:oleObj spid="_x0000_s5129" name="Clip" r:id="rId6" imgW="4763880" imgH="3297240" progId="">
+                <p:oleObj spid="_x0000_s5137" name="Clip" r:id="rId6" imgW="4763880" imgH="3297240" progId="">
                   <p:embed/>
                 </p:oleObj>
               </mc:Choice>
@@ -11587,7 +11712,7 @@
           <a:graphicData uri="http://schemas.openxmlformats.org/presentationml/2006/ole">
             <mc:AlternateContent xmlns:mc="http://schemas.openxmlformats.org/markup-compatibility/2006">
               <mc:Choice xmlns:v="urn:schemas-microsoft-com:vml" Requires="v">
-                <p:oleObj spid="_x0000_s6152" name="Picture" r:id="rId3" imgW="6570360" imgH="1459800" progId="Word.Picture.8">
+                <p:oleObj spid="_x0000_s6160" name="Picture" r:id="rId3" imgW="6570360" imgH="1459800" progId="Word.Picture.8">
                   <p:embed/>
                 </p:oleObj>
               </mc:Choice>
@@ -12172,7 +12297,7 @@
           <a:graphicData uri="http://schemas.openxmlformats.org/presentationml/2006/ole">
             <mc:AlternateContent xmlns:mc="http://schemas.openxmlformats.org/markup-compatibility/2006">
               <mc:Choice xmlns:v="urn:schemas-microsoft-com:vml" Requires="v">
-                <p:oleObj spid="_x0000_s6153" name="Clip" r:id="rId5" imgW="4763880" imgH="3297240" progId="">
+                <p:oleObj spid="_x0000_s6161" name="Clip" r:id="rId5" imgW="4763880" imgH="3297240" progId="">
                   <p:embed/>
                 </p:oleObj>
               </mc:Choice>
@@ -12698,7 +12823,7 @@
           <a:graphicData uri="http://schemas.openxmlformats.org/presentationml/2006/ole">
             <mc:AlternateContent xmlns:mc="http://schemas.openxmlformats.org/markup-compatibility/2006">
               <mc:Choice xmlns:v="urn:schemas-microsoft-com:vml" Requires="v">
-                <p:oleObj spid="_x0000_s7173" name="Clip" r:id="rId3" imgW="4763880" imgH="3297240" progId="">
+                <p:oleObj spid="_x0000_s7177" name="Clip" r:id="rId3" imgW="4763880" imgH="3297240" progId="">
                   <p:embed/>
                 </p:oleObj>
               </mc:Choice>
@@ -13077,7 +13202,7 @@
           <a:graphicData uri="http://schemas.openxmlformats.org/presentationml/2006/ole">
             <mc:AlternateContent xmlns:mc="http://schemas.openxmlformats.org/markup-compatibility/2006">
               <mc:Choice xmlns:v="urn:schemas-microsoft-com:vml" Requires="v">
-                <p:oleObj spid="_x0000_s8197" name="Clip" r:id="rId3" imgW="4763880" imgH="3297240" progId="">
+                <p:oleObj spid="_x0000_s8201" name="Clip" r:id="rId3" imgW="4763880" imgH="3297240" progId="">
                   <p:embed/>
                 </p:oleObj>
               </mc:Choice>
@@ -15390,7 +15515,7 @@
           <a:graphicData uri="http://schemas.openxmlformats.org/presentationml/2006/ole">
             <mc:AlternateContent xmlns:mc="http://schemas.openxmlformats.org/markup-compatibility/2006">
               <mc:Choice xmlns:v="urn:schemas-microsoft-com:vml" Requires="v">
-                <p:oleObj spid="_x0000_s9221" name="Clip" r:id="rId3" imgW="6484320" imgH="2277720" progId="">
+                <p:oleObj spid="_x0000_s9225" name="Clip" r:id="rId3" imgW="6484320" imgH="2277720" progId="">
                   <p:embed/>
                 </p:oleObj>
               </mc:Choice>
@@ -15704,7 +15829,7 @@
           <a:graphicData uri="http://schemas.openxmlformats.org/presentationml/2006/ole">
             <mc:AlternateContent xmlns:mc="http://schemas.openxmlformats.org/markup-compatibility/2006">
               <mc:Choice xmlns:v="urn:schemas-microsoft-com:vml" Requires="v">
-                <p:oleObj spid="_x0000_s10245" name="Clip" r:id="rId3" imgW="6484320" imgH="2277720" progId="">
+                <p:oleObj spid="_x0000_s10249" name="Clip" r:id="rId3" imgW="6484320" imgH="2277720" progId="">
                   <p:embed/>
                 </p:oleObj>
               </mc:Choice>
@@ -16025,7 +16150,7 @@
           <a:graphicData uri="http://schemas.openxmlformats.org/presentationml/2006/ole">
             <mc:AlternateContent xmlns:mc="http://schemas.openxmlformats.org/markup-compatibility/2006">
               <mc:Choice xmlns:v="urn:schemas-microsoft-com:vml" Requires="v">
-                <p:oleObj spid="_x0000_s11269" name="Clip" r:id="rId3" imgW="6484320" imgH="2277720" progId="">
+                <p:oleObj spid="_x0000_s11273" name="Clip" r:id="rId3" imgW="6484320" imgH="2277720" progId="">
                   <p:embed/>
                 </p:oleObj>
               </mc:Choice>
@@ -16154,7 +16279,7 @@
           <a:graphicData uri="http://schemas.openxmlformats.org/presentationml/2006/ole">
             <mc:AlternateContent xmlns:mc="http://schemas.openxmlformats.org/markup-compatibility/2006">
               <mc:Choice xmlns:v="urn:schemas-microsoft-com:vml" Requires="v">
-                <p:oleObj spid="_x0000_s12293" name="Clip" r:id="rId3" imgW="6484320" imgH="2277720" progId="">
+                <p:oleObj spid="_x0000_s12297" name="Clip" r:id="rId3" imgW="6484320" imgH="2277720" progId="">
                   <p:embed/>
                 </p:oleObj>
               </mc:Choice>
@@ -16690,7 +16815,7 @@
           <a:graphicData uri="http://schemas.openxmlformats.org/presentationml/2006/ole">
             <mc:AlternateContent xmlns:mc="http://schemas.openxmlformats.org/markup-compatibility/2006">
               <mc:Choice xmlns:v="urn:schemas-microsoft-com:vml" Requires="v">
-                <p:oleObj spid="_x0000_s13317" name="Clip" r:id="rId3" imgW="6484320" imgH="2277720" progId="">
+                <p:oleObj spid="_x0000_s13321" name="Clip" r:id="rId3" imgW="6484320" imgH="2277720" progId="">
                   <p:embed/>
                 </p:oleObj>
               </mc:Choice>
@@ -17539,7 +17664,7 @@
           <a:graphicData uri="http://schemas.openxmlformats.org/presentationml/2006/ole">
             <mc:AlternateContent xmlns:mc="http://schemas.openxmlformats.org/markup-compatibility/2006">
               <mc:Choice xmlns:v="urn:schemas-microsoft-com:vml" Requires="v">
-                <p:oleObj spid="_x0000_s14341" name="Image Bitmap" r:id="rId3" imgW="3191320" imgH="2314286" progId="PBrush">
+                <p:oleObj spid="_x0000_s14345" name="Image Bitmap" r:id="rId3" imgW="3191320" imgH="2314286" progId="PBrush">
                   <p:embed/>
                 </p:oleObj>
               </mc:Choice>
@@ -17886,7 +18011,7 @@
           <a:graphicData uri="http://schemas.openxmlformats.org/presentationml/2006/ole">
             <mc:AlternateContent xmlns:mc="http://schemas.openxmlformats.org/markup-compatibility/2006">
               <mc:Choice xmlns:v="urn:schemas-microsoft-com:vml" Requires="v">
-                <p:oleObj spid="_x0000_s15365" name="Image Bitmap" r:id="rId3" imgW="3191320" imgH="2314286" progId="PBrush">
+                <p:oleObj spid="_x0000_s15369" name="Image Bitmap" r:id="rId3" imgW="3191320" imgH="2314286" progId="PBrush">
                   <p:embed/>
                 </p:oleObj>
               </mc:Choice>
@@ -18253,7 +18378,7 @@
           <a:graphicData uri="http://schemas.openxmlformats.org/presentationml/2006/ole">
             <mc:AlternateContent xmlns:mc="http://schemas.openxmlformats.org/markup-compatibility/2006">
               <mc:Choice xmlns:v="urn:schemas-microsoft-com:vml" Requires="v">
-                <p:oleObj spid="_x0000_s16389" name="Image Bitmap" r:id="rId3" imgW="3191320" imgH="2314286" progId="PBrush">
+                <p:oleObj spid="_x0000_s16393" name="Image Bitmap" r:id="rId3" imgW="3191320" imgH="2314286" progId="PBrush">
                   <p:embed/>
                 </p:oleObj>
               </mc:Choice>
@@ -19225,7 +19350,7 @@
           <a:graphicData uri="http://schemas.openxmlformats.org/presentationml/2006/ole">
             <mc:AlternateContent xmlns:mc="http://schemas.openxmlformats.org/markup-compatibility/2006">
               <mc:Choice xmlns:v="urn:schemas-microsoft-com:vml" Requires="v">
-                <p:oleObj spid="_x0000_s1029" name="Clip" r:id="rId3" imgW="1258200" imgH="1103040" progId="">
+                <p:oleObj spid="_x0000_s1033" name="Clip" r:id="rId3" imgW="1258200" imgH="1103040" progId="">
                   <p:embed/>
                 </p:oleObj>
               </mc:Choice>
